--- a/AI Tools Overview.pptx
+++ b/AI Tools Overview.pptx
@@ -3593,6 +3593,36 @@
           </a:p>
         </p:txBody>
       </p:sp>
+      <p:pic>
+        <p:nvPicPr>
+          <p:cNvPr id="3" name="Picture 2" descr="A drawing of a rectangular object with buttons&#10;&#10;AI-generated content may be incorrect.">
+            <a:extLst>
+              <a:ext uri="{FF2B5EF4-FFF2-40B4-BE49-F238E27FC236}">
+                <a16:creationId xmlns:a16="http://schemas.microsoft.com/office/drawing/2014/main" id="{4F4DF79D-0A95-2EED-9D05-E2CF0250E17C}"/>
+              </a:ext>
+            </a:extLst>
+          </p:cNvPr>
+          <p:cNvPicPr>
+            <a:picLocks noChangeAspect="1"/>
+          </p:cNvPicPr>
+          <p:nvPr/>
+        </p:nvPicPr>
+        <p:blipFill>
+          <a:blip r:embed="rId2"/>
+          <a:stretch>
+            <a:fillRect/>
+          </a:stretch>
+        </p:blipFill>
+        <p:spPr>
+          <a:xfrm>
+            <a:off x="7948551" y="1211283"/>
+            <a:ext cx="2956956" cy="4435434"/>
+          </a:xfrm>
+          <a:prstGeom prst="rect">
+            <a:avLst/>
+          </a:prstGeom>
+        </p:spPr>
+      </p:pic>
     </p:spTree>
     <p:extLst>
       <p:ext uri="{BB962C8B-B14F-4D97-AF65-F5344CB8AC3E}">
@@ -3835,6 +3865,534 @@
             <a:r>
               <a:rPr lang="en-US" sz="4400" dirty="0"/>
               <a:t>The Markdown File</a:t>
+            </a:r>
+          </a:p>
+        </p:txBody>
+      </p:sp>
+      <p:sp>
+        <p:nvSpPr>
+          <p:cNvPr id="3" name="TextBox 2">
+            <a:extLst>
+              <a:ext uri="{FF2B5EF4-FFF2-40B4-BE49-F238E27FC236}">
+                <a16:creationId xmlns:a16="http://schemas.microsoft.com/office/drawing/2014/main" id="{2CDC1A94-85FE-0B67-DDE2-77B5DE96274D}"/>
+              </a:ext>
+            </a:extLst>
+          </p:cNvPr>
+          <p:cNvSpPr txBox="1"/>
+          <p:nvPr/>
+        </p:nvSpPr>
+        <p:spPr>
+          <a:xfrm>
+            <a:off x="6934200" y="133082"/>
+            <a:ext cx="5257800" cy="6724918"/>
+          </a:xfrm>
+          <a:prstGeom prst="rect">
+            <a:avLst/>
+          </a:prstGeom>
+          <a:noFill/>
+        </p:spPr>
+        <p:txBody>
+          <a:bodyPr wrap="square">
+            <a:spAutoFit/>
+          </a:bodyPr>
+          <a:lstStyle/>
+          <a:p>
+            <a:pPr algn="l">
+              <a:spcAft>
+                <a:spcPts val="1200"/>
+              </a:spcAft>
+              <a:buNone/>
+            </a:pPr>
+            <a:r>
+              <a:rPr lang="en-US" sz="1200" b="1" i="0" dirty="0">
+                <a:solidFill>
+                  <a:srgbClr val="000000"/>
+                </a:solidFill>
+                <a:effectLst/>
+                <a:latin typeface="-apple-system"/>
+              </a:rPr>
+              <a:t>Project Description</a:t>
+            </a:r>
+            <a:br>
+              <a:rPr lang="en-US" sz="1200" b="1" i="0" dirty="0">
+                <a:solidFill>
+                  <a:srgbClr val="000000"/>
+                </a:solidFill>
+                <a:effectLst/>
+                <a:latin typeface="-apple-system"/>
+              </a:rPr>
+            </a:br>
+            <a:r>
+              <a:rPr lang="en-US" sz="1200" b="0" i="0" dirty="0">
+                <a:solidFill>
+                  <a:srgbClr val="000000"/>
+                </a:solidFill>
+                <a:effectLst/>
+                <a:latin typeface="-apple-system"/>
+              </a:rPr>
+              <a:t>This is an app to count that lets you press 8 buttons to count in 8 categories</a:t>
+            </a:r>
+            <a:br>
+              <a:rPr lang="en-US" sz="1200" b="0" i="0" dirty="0">
+                <a:solidFill>
+                  <a:srgbClr val="000000"/>
+                </a:solidFill>
+                <a:effectLst/>
+                <a:latin typeface="-apple-system"/>
+              </a:rPr>
+            </a:br>
+            <a:br>
+              <a:rPr lang="en-US" sz="1200" b="0" i="0" dirty="0">
+                <a:solidFill>
+                  <a:srgbClr val="000000"/>
+                </a:solidFill>
+                <a:effectLst/>
+                <a:latin typeface="-apple-system"/>
+              </a:rPr>
+            </a:br>
+            <a:r>
+              <a:rPr lang="en-US" sz="1200" b="1" i="0" dirty="0">
+                <a:solidFill>
+                  <a:srgbClr val="000000"/>
+                </a:solidFill>
+                <a:effectLst/>
+                <a:latin typeface="-apple-system"/>
+              </a:rPr>
+              <a:t>Technologies</a:t>
+            </a:r>
+            <a:br>
+              <a:rPr lang="en-US" sz="1200" b="0" i="0" dirty="0">
+                <a:solidFill>
+                  <a:srgbClr val="000000"/>
+                </a:solidFill>
+                <a:effectLst/>
+                <a:latin typeface="-apple-system"/>
+              </a:rPr>
+            </a:br>
+            <a:r>
+              <a:rPr lang="en-US" sz="1200" b="0" i="0" dirty="0">
+                <a:solidFill>
+                  <a:srgbClr val="000000"/>
+                </a:solidFill>
+                <a:effectLst/>
+                <a:latin typeface="-apple-system"/>
+              </a:rPr>
+              <a:t>Single-page app with no backend that runs completely on the frontend in JS/TS. It's designed to run on a phone.</a:t>
+            </a:r>
+            <a:br>
+              <a:rPr lang="en-US" sz="1200" b="0" i="0" dirty="0">
+                <a:solidFill>
+                  <a:srgbClr val="000000"/>
+                </a:solidFill>
+                <a:effectLst/>
+                <a:latin typeface="-apple-system"/>
+              </a:rPr>
+            </a:br>
+            <a:br>
+              <a:rPr lang="en-US" sz="1200" b="1" i="0" dirty="0">
+                <a:solidFill>
+                  <a:srgbClr val="000000"/>
+                </a:solidFill>
+                <a:effectLst/>
+                <a:latin typeface="-apple-system"/>
+              </a:rPr>
+            </a:br>
+            <a:r>
+              <a:rPr lang="en-US" sz="1200" b="1" i="0" dirty="0">
+                <a:solidFill>
+                  <a:srgbClr val="000000"/>
+                </a:solidFill>
+                <a:effectLst/>
+                <a:latin typeface="-apple-system"/>
+              </a:rPr>
+              <a:t>Main Page</a:t>
+            </a:r>
+            <a:br>
+              <a:rPr lang="en-US" sz="1200" b="1" i="0" dirty="0">
+                <a:solidFill>
+                  <a:srgbClr val="000000"/>
+                </a:solidFill>
+                <a:effectLst/>
+                <a:latin typeface="-apple-system"/>
+              </a:rPr>
+            </a:br>
+            <a:r>
+              <a:rPr lang="en-US" sz="1200" b="0" i="0" dirty="0">
+                <a:solidFill>
+                  <a:srgbClr val="000000"/>
+                </a:solidFill>
+                <a:effectLst/>
+                <a:latin typeface="-apple-system"/>
+              </a:rPr>
+              <a:t>9 buttons in a grid 1 2 3 4 5 6 7 8 9</a:t>
+            </a:r>
+            <a:br>
+              <a:rPr lang="en-US" sz="1200" b="0" i="0" dirty="0">
+                <a:solidFill>
+                  <a:srgbClr val="000000"/>
+                </a:solidFill>
+                <a:effectLst/>
+                <a:latin typeface="-apple-system"/>
+              </a:rPr>
+            </a:br>
+            <a:r>
+              <a:rPr lang="en-US" sz="1200" b="0" i="0" dirty="0">
+                <a:solidFill>
+                  <a:srgbClr val="000000"/>
+                </a:solidFill>
+                <a:effectLst/>
+                <a:latin typeface="-apple-system"/>
+              </a:rPr>
+              <a:t>All buttons except for the configuration contain a count</a:t>
+            </a:r>
+            <a:br>
+              <a:rPr lang="en-US" sz="1200" b="0" i="0" dirty="0">
+                <a:solidFill>
+                  <a:srgbClr val="000000"/>
+                </a:solidFill>
+                <a:effectLst/>
+                <a:latin typeface="-apple-system"/>
+              </a:rPr>
+            </a:br>
+            <a:br>
+              <a:rPr lang="en-US" sz="1200" b="0" i="0" dirty="0">
+                <a:solidFill>
+                  <a:srgbClr val="000000"/>
+                </a:solidFill>
+                <a:effectLst/>
+                <a:latin typeface="-apple-system"/>
+              </a:rPr>
+            </a:br>
+            <a:r>
+              <a:rPr lang="en-US" sz="1200" b="1" i="0" dirty="0">
+                <a:solidFill>
+                  <a:srgbClr val="000000"/>
+                </a:solidFill>
+                <a:effectLst/>
+                <a:latin typeface="-apple-system"/>
+              </a:rPr>
+              <a:t>Button Descriptions</a:t>
+            </a:r>
+          </a:p>
+          <a:p>
+            <a:pPr algn="l">
+              <a:buFont typeface="+mj-lt"/>
+              <a:buAutoNum type="arabicPeriod"/>
+            </a:pPr>
+            <a:r>
+              <a:rPr lang="en-US" sz="1200" b="0" i="0" dirty="0">
+                <a:solidFill>
+                  <a:srgbClr val="000000"/>
+                </a:solidFill>
+                <a:effectLst/>
+                <a:latin typeface="-apple-system"/>
+              </a:rPr>
+              <a:t>LP (labeled praise)</a:t>
+            </a:r>
+          </a:p>
+          <a:p>
+            <a:pPr algn="l">
+              <a:buFont typeface="+mj-lt"/>
+              <a:buAutoNum type="arabicPeriod"/>
+            </a:pPr>
+            <a:r>
+              <a:rPr lang="en-US" sz="1200" b="0" i="0" dirty="0">
+                <a:solidFill>
+                  <a:srgbClr val="000000"/>
+                </a:solidFill>
+                <a:effectLst/>
+                <a:latin typeface="-apple-system"/>
+              </a:rPr>
+              <a:t>RF (reflect kid)</a:t>
+            </a:r>
+          </a:p>
+          <a:p>
+            <a:pPr algn="l">
+              <a:buFont typeface="+mj-lt"/>
+              <a:buAutoNum type="arabicPeriod"/>
+            </a:pPr>
+            <a:r>
+              <a:rPr lang="en-US" sz="1200" b="0" i="0" dirty="0">
+                <a:solidFill>
+                  <a:srgbClr val="000000"/>
+                </a:solidFill>
+                <a:effectLst/>
+                <a:latin typeface="-apple-system"/>
+              </a:rPr>
+              <a:t>BD (behavior description)</a:t>
+            </a:r>
+          </a:p>
+          <a:p>
+            <a:pPr algn="l">
+              <a:buFont typeface="+mj-lt"/>
+              <a:buAutoNum type="arabicPeriod"/>
+            </a:pPr>
+            <a:r>
+              <a:rPr lang="en-US" sz="1200" b="0" i="0" dirty="0">
+                <a:solidFill>
+                  <a:srgbClr val="000000"/>
+                </a:solidFill>
+                <a:effectLst/>
+                <a:latin typeface="-apple-system"/>
+              </a:rPr>
+              <a:t>TA (talk)</a:t>
+            </a:r>
+          </a:p>
+          <a:p>
+            <a:pPr algn="l">
+              <a:buFont typeface="+mj-lt"/>
+              <a:buAutoNum type="arabicPeriod"/>
+            </a:pPr>
+            <a:r>
+              <a:rPr lang="en-US" sz="1200" dirty="0">
+                <a:solidFill>
+                  <a:srgbClr val="000000"/>
+                </a:solidFill>
+                <a:latin typeface="-apple-system"/>
+              </a:rPr>
+              <a:t> Config</a:t>
+            </a:r>
+            <a:endParaRPr lang="en-US" sz="1200" b="0" i="0" dirty="0">
+              <a:solidFill>
+                <a:srgbClr val="000000"/>
+              </a:solidFill>
+              <a:effectLst/>
+              <a:latin typeface="-apple-system"/>
+            </a:endParaRPr>
+          </a:p>
+          <a:p>
+            <a:pPr algn="l">
+              <a:buFont typeface="+mj-lt"/>
+              <a:buAutoNum type="arabicPeriod"/>
+            </a:pPr>
+            <a:r>
+              <a:rPr lang="en-US" sz="1200" b="0" i="0" dirty="0">
+                <a:solidFill>
+                  <a:srgbClr val="000000"/>
+                </a:solidFill>
+                <a:effectLst/>
+                <a:latin typeface="-apple-system"/>
+              </a:rPr>
+              <a:t>UP (unlabeled praise)</a:t>
+            </a:r>
+          </a:p>
+          <a:p>
+            <a:pPr algn="l">
+              <a:buFont typeface="+mj-lt"/>
+              <a:buAutoNum type="arabicPeriod"/>
+            </a:pPr>
+            <a:r>
+              <a:rPr lang="en-US" sz="1200" b="0" i="0" dirty="0">
+                <a:solidFill>
+                  <a:srgbClr val="000000"/>
+                </a:solidFill>
+                <a:effectLst/>
+                <a:latin typeface="-apple-system"/>
+              </a:rPr>
+              <a:t>NTA (criticism)</a:t>
+            </a:r>
+          </a:p>
+          <a:p>
+            <a:pPr algn="l">
+              <a:buFont typeface="+mj-lt"/>
+              <a:buAutoNum type="arabicPeriod"/>
+            </a:pPr>
+            <a:r>
+              <a:rPr lang="en-US" sz="1200" b="0" i="0" dirty="0">
+                <a:solidFill>
+                  <a:srgbClr val="000000"/>
+                </a:solidFill>
+                <a:effectLst/>
+                <a:latin typeface="-apple-system"/>
+              </a:rPr>
+              <a:t>QU (question)</a:t>
+            </a:r>
+          </a:p>
+          <a:p>
+            <a:pPr algn="l">
+              <a:buFont typeface="+mj-lt"/>
+              <a:buAutoNum type="arabicPeriod"/>
+            </a:pPr>
+            <a:r>
+              <a:rPr lang="en-US" sz="1200" b="0" i="0" dirty="0">
+                <a:solidFill>
+                  <a:srgbClr val="000000"/>
+                </a:solidFill>
+                <a:effectLst/>
+                <a:latin typeface="-apple-system"/>
+              </a:rPr>
+              <a:t>CA (command) The config button is slightly smaller than the others.</a:t>
+            </a:r>
+          </a:p>
+          <a:p>
+            <a:pPr algn="l">
+              <a:spcBef>
+                <a:spcPts val="1800"/>
+              </a:spcBef>
+              <a:spcAft>
+                <a:spcPts val="1200"/>
+              </a:spcAft>
+              <a:buNone/>
+            </a:pPr>
+            <a:r>
+              <a:rPr lang="en-US" sz="1200" b="1" i="0" dirty="0">
+                <a:solidFill>
+                  <a:srgbClr val="000000"/>
+                </a:solidFill>
+                <a:effectLst/>
+                <a:latin typeface="-apple-system"/>
+              </a:rPr>
+              <a:t>Config Button</a:t>
+            </a:r>
+            <a:br>
+              <a:rPr lang="en-US" sz="1200" b="1" i="0" dirty="0">
+                <a:solidFill>
+                  <a:srgbClr val="000000"/>
+                </a:solidFill>
+                <a:effectLst/>
+                <a:latin typeface="-apple-system"/>
+              </a:rPr>
+            </a:br>
+            <a:r>
+              <a:rPr lang="en-US" sz="1200" b="0" i="0" dirty="0">
+                <a:solidFill>
+                  <a:srgbClr val="000000"/>
+                </a:solidFill>
+                <a:effectLst/>
+                <a:latin typeface="-apple-system"/>
+              </a:rPr>
+              <a:t>The config button will pop up a screen on top of the screen with other less used buttons. The four buttons are:</a:t>
+            </a:r>
+          </a:p>
+          <a:p>
+            <a:pPr algn="l">
+              <a:buFont typeface="Arial" panose="020B0604020202020204" pitchFamily="34" charset="0"/>
+              <a:buChar char="•"/>
+            </a:pPr>
+            <a:r>
+              <a:rPr lang="en-US" sz="1200" b="0" i="0" dirty="0">
+                <a:solidFill>
+                  <a:srgbClr val="000000"/>
+                </a:solidFill>
+                <a:effectLst/>
+                <a:latin typeface="-apple-system"/>
+              </a:rPr>
+              <a:t> return</a:t>
+            </a:r>
+          </a:p>
+          <a:p>
+            <a:pPr algn="l">
+              <a:buFont typeface="Arial" panose="020B0604020202020204" pitchFamily="34" charset="0"/>
+              <a:buChar char="•"/>
+            </a:pPr>
+            <a:r>
+              <a:rPr lang="en-US" sz="1200" b="0" i="0" dirty="0">
+                <a:solidFill>
+                  <a:srgbClr val="000000"/>
+                </a:solidFill>
+                <a:effectLst/>
+                <a:latin typeface="-apple-system"/>
+              </a:rPr>
+              <a:t> undo last action</a:t>
+            </a:r>
+          </a:p>
+          <a:p>
+            <a:pPr algn="l">
+              <a:buFont typeface="Arial" panose="020B0604020202020204" pitchFamily="34" charset="0"/>
+              <a:buChar char="•"/>
+            </a:pPr>
+            <a:r>
+              <a:rPr lang="en-US" sz="1200" b="0" i="0" dirty="0">
+                <a:solidFill>
+                  <a:srgbClr val="000000"/>
+                </a:solidFill>
+                <a:effectLst/>
+                <a:latin typeface="-apple-system"/>
+              </a:rPr>
+              <a:t> cancel evaluation</a:t>
+            </a:r>
+          </a:p>
+          <a:p>
+            <a:pPr algn="l">
+              <a:buFont typeface="Arial" panose="020B0604020202020204" pitchFamily="34" charset="0"/>
+              <a:buChar char="•"/>
+            </a:pPr>
+            <a:r>
+              <a:rPr lang="en-US" sz="1200" b="0" i="0" dirty="0">
+                <a:solidFill>
+                  <a:srgbClr val="000000"/>
+                </a:solidFill>
+                <a:effectLst/>
+                <a:latin typeface="-apple-system"/>
+              </a:rPr>
+              <a:t> finish evaluation When you hit finish evaluation, it gives you a list of the numbers next to the labels (counts).</a:t>
+            </a:r>
+            <a:br>
+              <a:rPr lang="en-US" sz="1200" b="0" i="0" dirty="0">
+                <a:solidFill>
+                  <a:srgbClr val="000000"/>
+                </a:solidFill>
+                <a:effectLst/>
+                <a:latin typeface="-apple-system"/>
+              </a:rPr>
+            </a:br>
+            <a:br>
+              <a:rPr lang="en-US" sz="1200" b="0" i="0" dirty="0">
+                <a:solidFill>
+                  <a:srgbClr val="000000"/>
+                </a:solidFill>
+                <a:effectLst/>
+                <a:latin typeface="-apple-system"/>
+              </a:rPr>
+            </a:br>
+            <a:r>
+              <a:rPr lang="en-US" sz="1200" b="1" i="0" dirty="0">
+                <a:solidFill>
+                  <a:srgbClr val="000000"/>
+                </a:solidFill>
+                <a:effectLst/>
+                <a:latin typeface="-apple-system"/>
+              </a:rPr>
+              <a:t>Serving</a:t>
+            </a:r>
+            <a:br>
+              <a:rPr lang="en-US" sz="1200" b="1" i="0" dirty="0">
+                <a:solidFill>
+                  <a:srgbClr val="000000"/>
+                </a:solidFill>
+                <a:effectLst/>
+                <a:latin typeface="-apple-system"/>
+              </a:rPr>
+            </a:br>
+            <a:r>
+              <a:rPr lang="en-US" sz="1200" b="0" i="0" dirty="0">
+                <a:solidFill>
+                  <a:srgbClr val="000000"/>
+                </a:solidFill>
+                <a:effectLst/>
+                <a:latin typeface="-apple-system"/>
+              </a:rPr>
+              <a:t>To serve this local, we will use some technology (Claude please fill this in and draw my attention to you doing it) To serve it globally, it will be a </a:t>
+            </a:r>
+            <a:r>
+              <a:rPr lang="en-US" sz="1200" b="0" i="0" dirty="0" err="1">
+                <a:solidFill>
+                  <a:srgbClr val="000000"/>
+                </a:solidFill>
+                <a:effectLst/>
+                <a:latin typeface="-apple-system"/>
+              </a:rPr>
+              <a:t>github</a:t>
+            </a:r>
+            <a:r>
+              <a:rPr lang="en-US" sz="1200" b="0" i="0" dirty="0">
+                <a:solidFill>
+                  <a:srgbClr val="000000"/>
+                </a:solidFill>
+                <a:effectLst/>
+                <a:latin typeface="-apple-system"/>
+              </a:rPr>
+              <a:t> pages</a:t>
             </a:r>
           </a:p>
         </p:txBody>

--- a/AI Tools Overview.pptx
+++ b/AI Tools Overview.pptx
@@ -11,6 +11,8 @@
     <p:sldId id="259" r:id="rId5"/>
     <p:sldId id="261" r:id="rId6"/>
     <p:sldId id="260" r:id="rId7"/>
+    <p:sldId id="263" r:id="rId8"/>
+    <p:sldId id="262" r:id="rId9"/>
   </p:sldIdLst>
   <p:sldSz cx="12192000" cy="6858000"/>
   <p:notesSz cx="6858000" cy="9144000"/>
@@ -109,6 +111,11 @@
       </a:defRPr>
     </a:lvl9pPr>
   </p:defaultTextStyle>
+  <p:extLst>
+    <p:ext uri="{EFAFB233-063F-42B5-8137-9DF3F51BA10A}">
+      <p15:sldGuideLst xmlns:p15="http://schemas.microsoft.com/office/powerpoint/2012/main"/>
+    </p:ext>
+  </p:extLst>
 </p:presentation>
 </file>
 
@@ -4401,6 +4408,131 @@
     <p:extLst>
       <p:ext uri="{BB962C8B-B14F-4D97-AF65-F5344CB8AC3E}">
         <p14:creationId xmlns:p14="http://schemas.microsoft.com/office/powerpoint/2010/main" val="1027688131"/>
+      </p:ext>
+    </p:extLst>
+  </p:cSld>
+  <p:clrMapOvr>
+    <a:masterClrMapping/>
+  </p:clrMapOvr>
+</p:sld>
+</file>
+
+<file path=ppt/slides/slide7.xml><?xml version="1.0" encoding="utf-8"?>
+<p:sld xmlns:a="http://schemas.openxmlformats.org/drawingml/2006/main" xmlns:r="http://schemas.openxmlformats.org/officeDocument/2006/relationships" xmlns:p="http://schemas.openxmlformats.org/presentationml/2006/main">
+  <p:cSld>
+    <p:spTree>
+      <p:nvGrpSpPr>
+        <p:cNvPr id="1" name=""/>
+        <p:cNvGrpSpPr/>
+        <p:nvPr/>
+      </p:nvGrpSpPr>
+      <p:grpSpPr>
+        <a:xfrm>
+          <a:off x="0" y="0"/>
+          <a:ext cx="0" cy="0"/>
+          <a:chOff x="0" y="0"/>
+          <a:chExt cx="0" cy="0"/>
+        </a:xfrm>
+      </p:grpSpPr>
+      <p:sp>
+        <p:nvSpPr>
+          <p:cNvPr id="3" name="TextBox 2">
+            <a:extLst>
+              <a:ext uri="{FF2B5EF4-FFF2-40B4-BE49-F238E27FC236}">
+                <a16:creationId xmlns:a16="http://schemas.microsoft.com/office/drawing/2014/main" id="{BE013782-D4D2-D68D-91C4-F12F6954B8F2}"/>
+              </a:ext>
+            </a:extLst>
+          </p:cNvPr>
+          <p:cNvSpPr txBox="1"/>
+          <p:nvPr/>
+        </p:nvSpPr>
+        <p:spPr>
+          <a:xfrm>
+            <a:off x="393605" y="377108"/>
+            <a:ext cx="10964206" cy="369332"/>
+          </a:xfrm>
+          <a:prstGeom prst="rect">
+            <a:avLst/>
+          </a:prstGeom>
+          <a:noFill/>
+        </p:spPr>
+        <p:txBody>
+          <a:bodyPr wrap="square">
+            <a:spAutoFit/>
+          </a:bodyPr>
+          <a:lstStyle/>
+          <a:p>
+            <a:r>
+              <a:rPr lang="en-US"/>
+              <a:t>&gt; Read docs/project_description.md and ask me what's not clear from it and address questions in the doc</a:t>
+            </a:r>
+          </a:p>
+        </p:txBody>
+      </p:sp>
+    </p:spTree>
+    <p:extLst>
+      <p:ext uri="{BB962C8B-B14F-4D97-AF65-F5344CB8AC3E}">
+        <p14:creationId xmlns:p14="http://schemas.microsoft.com/office/powerpoint/2010/main" val="1963334194"/>
+      </p:ext>
+    </p:extLst>
+  </p:cSld>
+  <p:clrMapOvr>
+    <a:masterClrMapping/>
+  </p:clrMapOvr>
+</p:sld>
+</file>
+
+<file path=ppt/slides/slide8.xml><?xml version="1.0" encoding="utf-8"?>
+<p:sld xmlns:a="http://schemas.openxmlformats.org/drawingml/2006/main" xmlns:r="http://schemas.openxmlformats.org/officeDocument/2006/relationships" xmlns:p="http://schemas.openxmlformats.org/presentationml/2006/main">
+  <p:cSld>
+    <p:spTree>
+      <p:nvGrpSpPr>
+        <p:cNvPr id="1" name=""/>
+        <p:cNvGrpSpPr/>
+        <p:nvPr/>
+      </p:nvGrpSpPr>
+      <p:grpSpPr>
+        <a:xfrm>
+          <a:off x="0" y="0"/>
+          <a:ext cx="0" cy="0"/>
+          <a:chOff x="0" y="0"/>
+          <a:chExt cx="0" cy="0"/>
+        </a:xfrm>
+      </p:grpSpPr>
+      <p:pic>
+        <p:nvPicPr>
+          <p:cNvPr id="5" name="Picture 4" descr="A screenshot of a computer&#10;&#10;AI-generated content may be incorrect.">
+            <a:extLst>
+              <a:ext uri="{FF2B5EF4-FFF2-40B4-BE49-F238E27FC236}">
+                <a16:creationId xmlns:a16="http://schemas.microsoft.com/office/drawing/2014/main" id="{276D3EF7-4528-F8BC-010A-2C0F4AFFDEEB}"/>
+              </a:ext>
+            </a:extLst>
+          </p:cNvPr>
+          <p:cNvPicPr>
+            <a:picLocks noChangeAspect="1"/>
+          </p:cNvPicPr>
+          <p:nvPr/>
+        </p:nvPicPr>
+        <p:blipFill>
+          <a:blip r:embed="rId2"/>
+          <a:stretch>
+            <a:fillRect/>
+          </a:stretch>
+        </p:blipFill>
+        <p:spPr>
+          <a:xfrm>
+            <a:off x="2687817" y="839489"/>
+            <a:ext cx="4483005" cy="4492191"/>
+          </a:xfrm>
+          <a:prstGeom prst="rect">
+            <a:avLst/>
+          </a:prstGeom>
+        </p:spPr>
+      </p:pic>
+    </p:spTree>
+    <p:extLst>
+      <p:ext uri="{BB962C8B-B14F-4D97-AF65-F5344CB8AC3E}">
+        <p14:creationId xmlns:p14="http://schemas.microsoft.com/office/powerpoint/2010/main" val="653531887"/>
       </p:ext>
     </p:extLst>
   </p:cSld>
